--- a/explain/explain.pptx
+++ b/explain/explain.pptx
@@ -104,6 +104,11 @@
       </a:defRPr>
     </a:lvl9pPr>
   </p:defaultTextStyle>
+  <p:extLst>
+    <p:ext uri="{EFAFB233-063F-42B5-8137-9DF3F51BA10A}">
+      <p15:sldGuideLst xmlns:p15="http://schemas.microsoft.com/office/powerpoint/2012/main"/>
+    </p:ext>
+  </p:extLst>
 </p:presentation>
 </file>
 
@@ -3136,13 +3141,13 @@
         </p:nvSpPr>
         <p:spPr>
           <a:xfrm>
-            <a:off x="8827168" y="1257296"/>
-            <a:ext cx="2614863" cy="946485"/>
+            <a:off x="8578515" y="1395663"/>
+            <a:ext cx="3364832" cy="808118"/>
           </a:xfrm>
           <a:prstGeom prst="wedgeEllipseCallout">
             <a:avLst>
-              <a:gd name="adj1" fmla="val -130535"/>
-              <a:gd name="adj2" fmla="val 141314"/>
+              <a:gd name="adj1" fmla="val -110272"/>
+              <a:gd name="adj2" fmla="val 154363"/>
             </a:avLst>
           </a:prstGeom>
         </p:spPr>
@@ -3169,7 +3174,11 @@
             <a:pPr algn="ctr"/>
             <a:r>
               <a:rPr lang="en-US" sz="1600" dirty="0" smtClean="0"/>
-              <a:t>Click here when you finish you</a:t>
+              <a:t>Click here when you </a:t>
+            </a:r>
+            <a:r>
+              <a:rPr lang="en-US" sz="1600" dirty="0" smtClean="0"/>
+              <a:t>finish</a:t>
             </a:r>
             <a:endParaRPr lang="en-US" sz="1600" dirty="0"/>
           </a:p>
